--- a/to-me-images.pptx
+++ b/to-me-images.pptx
@@ -108,6 +108,11 @@
       </a:defRPr>
     </a:lvl9pPr>
   </p:defaultTextStyle>
+  <p:extLst>
+    <p:ext uri="{EFAFB233-063F-42B5-8137-9DF3F51BA10A}">
+      <p15:sldGuideLst xmlns:p15="http://schemas.microsoft.com/office/powerpoint/2012/main"/>
+    </p:ext>
+  </p:extLst>
 </p:presentation>
 </file>
 
@@ -197,7 +202,7 @@
           <a:p>
             <a:fld id="{A4934818-65A8-4090-AE03-47250CAFA2C4}" type="datetimeFigureOut">
               <a:rPr lang="sv-SE" smtClean="0"/>
-              <a:t>2017-11-26</a:t>
+              <a:t>2017-11-27</a:t>
             </a:fld>
             <a:endParaRPr lang="sv-SE"/>
           </a:p>
@@ -614,7 +619,7 @@
           <a:p>
             <a:fld id="{586E13D5-D7B9-41C0-AC65-99C375944FAF}" type="datetimeFigureOut">
               <a:rPr lang="sv-SE" smtClean="0"/>
-              <a:t>2017-11-26</a:t>
+              <a:t>2017-11-27</a:t>
             </a:fld>
             <a:endParaRPr lang="sv-SE"/>
           </a:p>
@@ -814,7 +819,7 @@
           <a:p>
             <a:fld id="{586E13D5-D7B9-41C0-AC65-99C375944FAF}" type="datetimeFigureOut">
               <a:rPr lang="sv-SE" smtClean="0"/>
-              <a:t>2017-11-26</a:t>
+              <a:t>2017-11-27</a:t>
             </a:fld>
             <a:endParaRPr lang="sv-SE"/>
           </a:p>
@@ -1024,7 +1029,7 @@
           <a:p>
             <a:fld id="{586E13D5-D7B9-41C0-AC65-99C375944FAF}" type="datetimeFigureOut">
               <a:rPr lang="sv-SE" smtClean="0"/>
-              <a:t>2017-11-26</a:t>
+              <a:t>2017-11-27</a:t>
             </a:fld>
             <a:endParaRPr lang="sv-SE"/>
           </a:p>
@@ -1224,7 +1229,7 @@
           <a:p>
             <a:fld id="{586E13D5-D7B9-41C0-AC65-99C375944FAF}" type="datetimeFigureOut">
               <a:rPr lang="sv-SE" smtClean="0"/>
-              <a:t>2017-11-26</a:t>
+              <a:t>2017-11-27</a:t>
             </a:fld>
             <a:endParaRPr lang="sv-SE"/>
           </a:p>
@@ -1500,7 +1505,7 @@
           <a:p>
             <a:fld id="{586E13D5-D7B9-41C0-AC65-99C375944FAF}" type="datetimeFigureOut">
               <a:rPr lang="sv-SE" smtClean="0"/>
-              <a:t>2017-11-26</a:t>
+              <a:t>2017-11-27</a:t>
             </a:fld>
             <a:endParaRPr lang="sv-SE"/>
           </a:p>
@@ -1768,7 +1773,7 @@
           <a:p>
             <a:fld id="{586E13D5-D7B9-41C0-AC65-99C375944FAF}" type="datetimeFigureOut">
               <a:rPr lang="sv-SE" smtClean="0"/>
-              <a:t>2017-11-26</a:t>
+              <a:t>2017-11-27</a:t>
             </a:fld>
             <a:endParaRPr lang="sv-SE"/>
           </a:p>
@@ -2183,7 +2188,7 @@
           <a:p>
             <a:fld id="{586E13D5-D7B9-41C0-AC65-99C375944FAF}" type="datetimeFigureOut">
               <a:rPr lang="sv-SE" smtClean="0"/>
-              <a:t>2017-11-26</a:t>
+              <a:t>2017-11-27</a:t>
             </a:fld>
             <a:endParaRPr lang="sv-SE"/>
           </a:p>
@@ -2325,7 +2330,7 @@
           <a:p>
             <a:fld id="{586E13D5-D7B9-41C0-AC65-99C375944FAF}" type="datetimeFigureOut">
               <a:rPr lang="sv-SE" smtClean="0"/>
-              <a:t>2017-11-26</a:t>
+              <a:t>2017-11-27</a:t>
             </a:fld>
             <a:endParaRPr lang="sv-SE"/>
           </a:p>
@@ -2438,7 +2443,7 @@
           <a:p>
             <a:fld id="{586E13D5-D7B9-41C0-AC65-99C375944FAF}" type="datetimeFigureOut">
               <a:rPr lang="sv-SE" smtClean="0"/>
-              <a:t>2017-11-26</a:t>
+              <a:t>2017-11-27</a:t>
             </a:fld>
             <a:endParaRPr lang="sv-SE"/>
           </a:p>
@@ -2751,7 +2756,7 @@
           <a:p>
             <a:fld id="{586E13D5-D7B9-41C0-AC65-99C375944FAF}" type="datetimeFigureOut">
               <a:rPr lang="sv-SE" smtClean="0"/>
-              <a:t>2017-11-26</a:t>
+              <a:t>2017-11-27</a:t>
             </a:fld>
             <a:endParaRPr lang="sv-SE"/>
           </a:p>
@@ -3040,7 +3045,7 @@
           <a:p>
             <a:fld id="{586E13D5-D7B9-41C0-AC65-99C375944FAF}" type="datetimeFigureOut">
               <a:rPr lang="sv-SE" smtClean="0"/>
-              <a:t>2017-11-26</a:t>
+              <a:t>2017-11-27</a:t>
             </a:fld>
             <a:endParaRPr lang="sv-SE"/>
           </a:p>
@@ -3283,7 +3288,7 @@
           <a:p>
             <a:fld id="{586E13D5-D7B9-41C0-AC65-99C375944FAF}" type="datetimeFigureOut">
               <a:rPr lang="sv-SE" smtClean="0"/>
-              <a:t>2017-11-26</a:t>
+              <a:t>2017-11-27</a:t>
             </a:fld>
             <a:endParaRPr lang="sv-SE"/>
           </a:p>
@@ -3884,64 +3889,12 @@
           </a:p>
         </p:txBody>
       </p:sp>
-      <p:sp>
-        <p:nvSpPr>
-          <p:cNvPr id="34" name="Oval 33">
-            <a:extLst>
-              <a:ext uri="{FF2B5EF4-FFF2-40B4-BE49-F238E27FC236}">
-                <a16:creationId xmlns:a16="http://schemas.microsoft.com/office/drawing/2014/main" id="{8FB3DD33-DE46-452B-B9E6-5668D8749CD3}"/>
-              </a:ext>
-            </a:extLst>
-          </p:cNvPr>
-          <p:cNvSpPr/>
-          <p:nvPr/>
-        </p:nvSpPr>
-        <p:spPr>
-          <a:xfrm>
-            <a:off x="2347247" y="4009734"/>
-            <a:ext cx="1173424" cy="1173424"/>
-          </a:xfrm>
-          <a:prstGeom prst="ellipse">
-            <a:avLst/>
-          </a:prstGeom>
-          <a:solidFill>
-            <a:srgbClr val="155997"/>
-          </a:solidFill>
-          <a:ln>
-            <a:noFill/>
-          </a:ln>
-        </p:spPr>
-        <p:style>
-          <a:lnRef idx="2">
-            <a:schemeClr val="accent1">
-              <a:shade val="50000"/>
-            </a:schemeClr>
-          </a:lnRef>
-          <a:fillRef idx="1">
-            <a:schemeClr val="accent1"/>
-          </a:fillRef>
-          <a:effectRef idx="0">
-            <a:schemeClr val="accent1"/>
-          </a:effectRef>
-          <a:fontRef idx="minor">
-            <a:schemeClr val="lt1"/>
-          </a:fontRef>
-        </p:style>
-        <p:txBody>
-          <a:bodyPr rtlCol="0" anchor="ctr"/>
-          <a:lstStyle/>
-          <a:p>
-            <a:pPr algn="ctr"/>
-            <a:endParaRPr lang="sv-SE"/>
-          </a:p>
-        </p:txBody>
-      </p:sp>
       <p:pic>
         <p:nvPicPr>
-          <p:cNvPr id="4" name="Graphic 3" descr="Smart Phone">
-            <a:extLst>
-              <a:ext uri="{FF2B5EF4-FFF2-40B4-BE49-F238E27FC236}">
-                <a16:creationId xmlns:a16="http://schemas.microsoft.com/office/drawing/2014/main" id="{01A55862-BCD2-49C1-988F-8C1AC6265504}"/>
+          <p:cNvPr id="6" name="Graphic 5" descr="Laptop">
+            <a:extLst>
+              <a:ext uri="{FF2B5EF4-FFF2-40B4-BE49-F238E27FC236}">
+                <a16:creationId xmlns:a16="http://schemas.microsoft.com/office/drawing/2014/main" id="{4A28A7B2-1F84-4304-A5DA-181ED2F208C5}"/>
               </a:ext>
             </a:extLst>
           </p:cNvPr>
@@ -3958,45 +3911,6 @@
               </a:ext>
               <a:ext uri="{96DAC541-7B7A-43D3-8B79-37D633B846F1}">
                 <asvg:svgBlip xmlns:asvg="http://schemas.microsoft.com/office/drawing/2016/SVG/main" r:embed="rId3"/>
-              </a:ext>
-            </a:extLst>
-          </a:blip>
-          <a:stretch>
-            <a:fillRect/>
-          </a:stretch>
-        </p:blipFill>
-        <p:spPr>
-          <a:xfrm>
-            <a:off x="1583941" y="1755719"/>
-            <a:ext cx="801679" cy="801679"/>
-          </a:xfrm>
-          <a:prstGeom prst="rect">
-            <a:avLst/>
-          </a:prstGeom>
-        </p:spPr>
-      </p:pic>
-      <p:pic>
-        <p:nvPicPr>
-          <p:cNvPr id="6" name="Graphic 5" descr="Laptop">
-            <a:extLst>
-              <a:ext uri="{FF2B5EF4-FFF2-40B4-BE49-F238E27FC236}">
-                <a16:creationId xmlns:a16="http://schemas.microsoft.com/office/drawing/2014/main" id="{4A28A7B2-1F84-4304-A5DA-181ED2F208C5}"/>
-              </a:ext>
-            </a:extLst>
-          </p:cNvPr>
-          <p:cNvPicPr>
-            <a:picLocks noChangeAspect="1"/>
-          </p:cNvPicPr>
-          <p:nvPr/>
-        </p:nvPicPr>
-        <p:blipFill>
-          <a:blip r:embed="rId4">
-            <a:extLst>
-              <a:ext uri="{28A0092B-C50C-407E-A947-70E740481C1C}">
-                <a14:useLocalDpi xmlns:a14="http://schemas.microsoft.com/office/drawing/2010/main" val="0"/>
-              </a:ext>
-              <a:ext uri="{96DAC541-7B7A-43D3-8B79-37D633B846F1}">
-                <asvg:svgBlip xmlns:asvg="http://schemas.microsoft.com/office/drawing/2016/SVG/main" r:embed="rId5"/>
               </a:ext>
             </a:extLst>
           </a:blip>
@@ -4016,10 +3930,10 @@
       </p:pic>
       <p:pic>
         <p:nvPicPr>
-          <p:cNvPr id="8" name="Graphic 7" descr="Children">
-            <a:extLst>
-              <a:ext uri="{FF2B5EF4-FFF2-40B4-BE49-F238E27FC236}">
-                <a16:creationId xmlns:a16="http://schemas.microsoft.com/office/drawing/2014/main" id="{135CAF0A-B89A-404A-ABC0-A9279604B06F}"/>
+          <p:cNvPr id="13" name="Graphic 12" descr="Children">
+            <a:extLst>
+              <a:ext uri="{FF2B5EF4-FFF2-40B4-BE49-F238E27FC236}">
+                <a16:creationId xmlns:a16="http://schemas.microsoft.com/office/drawing/2014/main" id="{027E40F5-5229-44D4-B0AD-4AEAA74FEAA1}"/>
               </a:ext>
             </a:extLst>
           </p:cNvPr>
@@ -4029,52 +3943,13 @@
           <p:nvPr/>
         </p:nvPicPr>
         <p:blipFill>
-          <a:blip r:embed="rId6">
+          <a:blip r:embed="rId4">
             <a:extLst>
               <a:ext uri="{28A0092B-C50C-407E-A947-70E740481C1C}">
                 <a14:useLocalDpi xmlns:a14="http://schemas.microsoft.com/office/drawing/2010/main" val="0"/>
               </a:ext>
               <a:ext uri="{96DAC541-7B7A-43D3-8B79-37D633B846F1}">
-                <asvg:svgBlip xmlns:asvg="http://schemas.microsoft.com/office/drawing/2016/SVG/main" r:embed="rId7"/>
-              </a:ext>
-            </a:extLst>
-          </a:blip>
-          <a:stretch>
-            <a:fillRect/>
-          </a:stretch>
-        </p:blipFill>
-        <p:spPr>
-          <a:xfrm>
-            <a:off x="2476547" y="4064962"/>
-            <a:ext cx="914400" cy="914400"/>
-          </a:xfrm>
-          <a:prstGeom prst="rect">
-            <a:avLst/>
-          </a:prstGeom>
-        </p:spPr>
-      </p:pic>
-      <p:pic>
-        <p:nvPicPr>
-          <p:cNvPr id="13" name="Graphic 12" descr="Children">
-            <a:extLst>
-              <a:ext uri="{FF2B5EF4-FFF2-40B4-BE49-F238E27FC236}">
-                <a16:creationId xmlns:a16="http://schemas.microsoft.com/office/drawing/2014/main" id="{027E40F5-5229-44D4-B0AD-4AEAA74FEAA1}"/>
-              </a:ext>
-            </a:extLst>
-          </p:cNvPr>
-          <p:cNvPicPr>
-            <a:picLocks noChangeAspect="1"/>
-          </p:cNvPicPr>
-          <p:nvPr/>
-        </p:nvPicPr>
-        <p:blipFill>
-          <a:blip r:embed="rId8">
-            <a:extLst>
-              <a:ext uri="{28A0092B-C50C-407E-A947-70E740481C1C}">
-                <a14:useLocalDpi xmlns:a14="http://schemas.microsoft.com/office/drawing/2010/main" val="0"/>
-              </a:ext>
-              <a:ext uri="{96DAC541-7B7A-43D3-8B79-37D633B846F1}">
-                <asvg:svgBlip xmlns:asvg="http://schemas.microsoft.com/office/drawing/2016/SVG/main" r:embed="rId9"/>
+                <asvg:svgBlip xmlns:asvg="http://schemas.microsoft.com/office/drawing/2016/SVG/main" r:embed="rId5"/>
               </a:ext>
             </a:extLst>
           </a:blip>
@@ -4107,13 +3982,13 @@
           <p:nvPr/>
         </p:nvPicPr>
         <p:blipFill>
-          <a:blip r:embed="rId10">
+          <a:blip r:embed="rId6">
             <a:extLst>
               <a:ext uri="{28A0092B-C50C-407E-A947-70E740481C1C}">
                 <a14:useLocalDpi xmlns:a14="http://schemas.microsoft.com/office/drawing/2010/main" val="0"/>
               </a:ext>
               <a:ext uri="{96DAC541-7B7A-43D3-8B79-37D633B846F1}">
-                <asvg:svgBlip xmlns:asvg="http://schemas.microsoft.com/office/drawing/2016/SVG/main" r:embed="rId11"/>
+                <asvg:svgBlip xmlns:asvg="http://schemas.microsoft.com/office/drawing/2016/SVG/main" r:embed="rId7"/>
               </a:ext>
             </a:extLst>
           </a:blip>
@@ -4146,13 +4021,13 @@
           <p:nvPr/>
         </p:nvPicPr>
         <p:blipFill>
-          <a:blip r:embed="rId12">
+          <a:blip r:embed="rId8">
             <a:extLst>
               <a:ext uri="{28A0092B-C50C-407E-A947-70E740481C1C}">
                 <a14:useLocalDpi xmlns:a14="http://schemas.microsoft.com/office/drawing/2010/main" val="0"/>
               </a:ext>
               <a:ext uri="{96DAC541-7B7A-43D3-8B79-37D633B846F1}">
-                <asvg:svgBlip xmlns:asvg="http://schemas.microsoft.com/office/drawing/2016/SVG/main" r:embed="rId13"/>
+                <asvg:svgBlip xmlns:asvg="http://schemas.microsoft.com/office/drawing/2016/SVG/main" r:embed="rId9"/>
               </a:ext>
             </a:extLst>
           </a:blip>
@@ -4162,7 +4037,7 @@
         </p:blipFill>
         <p:spPr>
           <a:xfrm>
-            <a:off x="5094045" y="3429000"/>
+            <a:off x="1918484" y="2665748"/>
             <a:ext cx="914400" cy="914400"/>
           </a:xfrm>
           <a:prstGeom prst="rect">
@@ -4251,10 +4126,215 @@
       </p:sp>
       <p:sp>
         <p:nvSpPr>
-          <p:cNvPr id="29" name="TextBox 28">
-            <a:extLst>
-              <a:ext uri="{FF2B5EF4-FFF2-40B4-BE49-F238E27FC236}">
-                <a16:creationId xmlns:a16="http://schemas.microsoft.com/office/drawing/2014/main" id="{6EB81D51-97B0-4815-A84D-998E17D1150C}"/>
+          <p:cNvPr id="3" name="Rectangle: Rounded Corners 2">
+            <a:extLst>
+              <a:ext uri="{FF2B5EF4-FFF2-40B4-BE49-F238E27FC236}">
+                <a16:creationId xmlns:a16="http://schemas.microsoft.com/office/drawing/2014/main" id="{DFA93C6A-50DC-4D74-A4E7-FF86457E2CCB}"/>
+              </a:ext>
+            </a:extLst>
+          </p:cNvPr>
+          <p:cNvSpPr/>
+          <p:nvPr/>
+        </p:nvSpPr>
+        <p:spPr>
+          <a:xfrm>
+            <a:off x="6702776" y="1191237"/>
+            <a:ext cx="3624072" cy="5335398"/>
+          </a:xfrm>
+          <a:prstGeom prst="roundRect">
+            <a:avLst/>
+          </a:prstGeom>
+          <a:solidFill>
+            <a:schemeClr val="bg1"/>
+          </a:solidFill>
+        </p:spPr>
+        <p:style>
+          <a:lnRef idx="2">
+            <a:schemeClr val="accent1">
+              <a:shade val="50000"/>
+            </a:schemeClr>
+          </a:lnRef>
+          <a:fillRef idx="1">
+            <a:schemeClr val="accent1"/>
+          </a:fillRef>
+          <a:effectRef idx="0">
+            <a:schemeClr val="accent1"/>
+          </a:effectRef>
+          <a:fontRef idx="minor">
+            <a:schemeClr val="lt1"/>
+          </a:fontRef>
+        </p:style>
+        <p:txBody>
+          <a:bodyPr rtlCol="0" anchor="ctr"/>
+          <a:lstStyle/>
+          <a:p>
+            <a:pPr algn="ctr"/>
+            <a:endParaRPr lang="sv-SE"/>
+          </a:p>
+        </p:txBody>
+      </p:sp>
+      <p:pic>
+        <p:nvPicPr>
+          <p:cNvPr id="7" name="Graphic 6" descr="Angry Face with No Fill">
+            <a:extLst>
+              <a:ext uri="{FF2B5EF4-FFF2-40B4-BE49-F238E27FC236}">
+                <a16:creationId xmlns:a16="http://schemas.microsoft.com/office/drawing/2014/main" id="{20642973-0636-4EA2-A515-567F15EF0269}"/>
+              </a:ext>
+            </a:extLst>
+          </p:cNvPr>
+          <p:cNvPicPr>
+            <a:picLocks noChangeAspect="1"/>
+          </p:cNvPicPr>
+          <p:nvPr/>
+        </p:nvPicPr>
+        <p:blipFill>
+          <a:blip r:embed="rId10">
+            <a:extLst>
+              <a:ext uri="{28A0092B-C50C-407E-A947-70E740481C1C}">
+                <a14:useLocalDpi xmlns:a14="http://schemas.microsoft.com/office/drawing/2010/main" val="0"/>
+              </a:ext>
+              <a:ext uri="{96DAC541-7B7A-43D3-8B79-37D633B846F1}">
+                <asvg:svgBlip xmlns:asvg="http://schemas.microsoft.com/office/drawing/2016/SVG/main" r:embed="rId11"/>
+              </a:ext>
+            </a:extLst>
+          </a:blip>
+          <a:stretch>
+            <a:fillRect/>
+          </a:stretch>
+        </p:blipFill>
+        <p:spPr>
+          <a:xfrm>
+            <a:off x="7599488" y="2000964"/>
+            <a:ext cx="934982" cy="934982"/>
+          </a:xfrm>
+          <a:prstGeom prst="rect">
+            <a:avLst/>
+          </a:prstGeom>
+        </p:spPr>
+      </p:pic>
+      <p:pic>
+        <p:nvPicPr>
+          <p:cNvPr id="10" name="Graphic 9" descr="Worried Face with No Fill">
+            <a:extLst>
+              <a:ext uri="{FF2B5EF4-FFF2-40B4-BE49-F238E27FC236}">
+                <a16:creationId xmlns:a16="http://schemas.microsoft.com/office/drawing/2014/main" id="{3D4BD33F-ACF2-40CF-A0A8-91BB8C8D5033}"/>
+              </a:ext>
+            </a:extLst>
+          </p:cNvPr>
+          <p:cNvPicPr>
+            <a:picLocks noChangeAspect="1"/>
+          </p:cNvPicPr>
+          <p:nvPr/>
+        </p:nvPicPr>
+        <p:blipFill>
+          <a:blip r:embed="rId12">
+            <a:extLst>
+              <a:ext uri="{28A0092B-C50C-407E-A947-70E740481C1C}">
+                <a14:useLocalDpi xmlns:a14="http://schemas.microsoft.com/office/drawing/2010/main" val="0"/>
+              </a:ext>
+              <a:ext uri="{96DAC541-7B7A-43D3-8B79-37D633B846F1}">
+                <asvg:svgBlip xmlns:asvg="http://schemas.microsoft.com/office/drawing/2016/SVG/main" r:embed="rId13"/>
+              </a:ext>
+            </a:extLst>
+          </a:blip>
+          <a:stretch>
+            <a:fillRect/>
+          </a:stretch>
+        </p:blipFill>
+        <p:spPr>
+          <a:xfrm>
+            <a:off x="8392944" y="2000964"/>
+            <a:ext cx="934982" cy="934982"/>
+          </a:xfrm>
+          <a:prstGeom prst="rect">
+            <a:avLst/>
+          </a:prstGeom>
+        </p:spPr>
+      </p:pic>
+      <p:pic>
+        <p:nvPicPr>
+          <p:cNvPr id="12" name="Graphic 11" descr="Crying Face with No Fill">
+            <a:extLst>
+              <a:ext uri="{FF2B5EF4-FFF2-40B4-BE49-F238E27FC236}">
+                <a16:creationId xmlns:a16="http://schemas.microsoft.com/office/drawing/2014/main" id="{3E9C34CC-378B-48CD-B65A-D868574A21A7}"/>
+              </a:ext>
+            </a:extLst>
+          </p:cNvPr>
+          <p:cNvPicPr>
+            <a:picLocks noChangeAspect="1"/>
+          </p:cNvPicPr>
+          <p:nvPr/>
+        </p:nvPicPr>
+        <p:blipFill>
+          <a:blip r:embed="rId14">
+            <a:extLst>
+              <a:ext uri="{28A0092B-C50C-407E-A947-70E740481C1C}">
+                <a14:useLocalDpi xmlns:a14="http://schemas.microsoft.com/office/drawing/2010/main" val="0"/>
+              </a:ext>
+              <a:ext uri="{96DAC541-7B7A-43D3-8B79-37D633B846F1}">
+                <asvg:svgBlip xmlns:asvg="http://schemas.microsoft.com/office/drawing/2016/SVG/main" r:embed="rId15"/>
+              </a:ext>
+            </a:extLst>
+          </a:blip>
+          <a:stretch>
+            <a:fillRect/>
+          </a:stretch>
+        </p:blipFill>
+        <p:spPr>
+          <a:xfrm>
+            <a:off x="9168096" y="2000964"/>
+            <a:ext cx="934982" cy="934982"/>
+          </a:xfrm>
+          <a:prstGeom prst="rect">
+            <a:avLst/>
+          </a:prstGeom>
+        </p:spPr>
+      </p:pic>
+      <p:pic>
+        <p:nvPicPr>
+          <p:cNvPr id="16" name="Graphic 15" descr="Smiling Face with No Fill">
+            <a:extLst>
+              <a:ext uri="{FF2B5EF4-FFF2-40B4-BE49-F238E27FC236}">
+                <a16:creationId xmlns:a16="http://schemas.microsoft.com/office/drawing/2014/main" id="{0104B363-DFC5-4603-9442-D701A430D7FD}"/>
+              </a:ext>
+            </a:extLst>
+          </p:cNvPr>
+          <p:cNvPicPr>
+            <a:picLocks noChangeAspect="1"/>
+          </p:cNvPicPr>
+          <p:nvPr/>
+        </p:nvPicPr>
+        <p:blipFill>
+          <a:blip r:embed="rId16">
+            <a:extLst>
+              <a:ext uri="{28A0092B-C50C-407E-A947-70E740481C1C}">
+                <a14:useLocalDpi xmlns:a14="http://schemas.microsoft.com/office/drawing/2010/main" val="0"/>
+              </a:ext>
+              <a:ext uri="{96DAC541-7B7A-43D3-8B79-37D633B846F1}">
+                <asvg:svgBlip xmlns:asvg="http://schemas.microsoft.com/office/drawing/2016/SVG/main" r:embed="rId17"/>
+              </a:ext>
+            </a:extLst>
+          </a:blip>
+          <a:stretch>
+            <a:fillRect/>
+          </a:stretch>
+        </p:blipFill>
+        <p:spPr>
+          <a:xfrm>
+            <a:off x="6825308" y="2018973"/>
+            <a:ext cx="934982" cy="934982"/>
+          </a:xfrm>
+          <a:prstGeom prst="rect">
+            <a:avLst/>
+          </a:prstGeom>
+        </p:spPr>
+      </p:pic>
+      <p:sp>
+        <p:nvSpPr>
+          <p:cNvPr id="26" name="TextBox 25">
+            <a:extLst>
+              <a:ext uri="{FF2B5EF4-FFF2-40B4-BE49-F238E27FC236}">
+                <a16:creationId xmlns:a16="http://schemas.microsoft.com/office/drawing/2014/main" id="{63416620-EA3D-46DD-AC45-026E6F1B99F1}"/>
               </a:ext>
             </a:extLst>
           </p:cNvPr>
@@ -4263,8 +4343,8 @@
         </p:nvSpPr>
         <p:spPr>
           <a:xfrm>
-            <a:off x="2347247" y="4714192"/>
-            <a:ext cx="1173424" cy="369332"/>
+            <a:off x="6617189" y="1546273"/>
+            <a:ext cx="3624072" cy="377644"/>
           </a:xfrm>
           <a:prstGeom prst="rect">
             <a:avLst/>
@@ -4279,35 +4359,510 @@
           <a:p>
             <a:pPr algn="ctr"/>
             <a:r>
+              <a:rPr lang="en-US" dirty="0" err="1">
+                <a:latin typeface="Microsoft YaHei UI Light" panose="020B0502040204020203" pitchFamily="34" charset="-122"/>
+                <a:ea typeface="Microsoft YaHei UI Light" panose="020B0502040204020203" pitchFamily="34" charset="-122"/>
+              </a:rPr>
+              <a:t>Idag</a:t>
+            </a:r>
+            <a:r>
               <a:rPr lang="en-US" dirty="0">
+                <a:latin typeface="Microsoft YaHei UI Light" panose="020B0502040204020203" pitchFamily="34" charset="-122"/>
+                <a:ea typeface="Microsoft YaHei UI Light" panose="020B0502040204020203" pitchFamily="34" charset="-122"/>
+              </a:rPr>
+              <a:t> </a:t>
+            </a:r>
+            <a:r>
+              <a:rPr lang="en-US" dirty="0" err="1">
+                <a:latin typeface="Microsoft YaHei UI Light" panose="020B0502040204020203" pitchFamily="34" charset="-122"/>
+                <a:ea typeface="Microsoft YaHei UI Light" panose="020B0502040204020203" pitchFamily="34" charset="-122"/>
+              </a:rPr>
+              <a:t>är</a:t>
+            </a:r>
+            <a:r>
+              <a:rPr lang="en-US" dirty="0">
+                <a:latin typeface="Microsoft YaHei UI Light" panose="020B0502040204020203" pitchFamily="34" charset="-122"/>
+                <a:ea typeface="Microsoft YaHei UI Light" panose="020B0502040204020203" pitchFamily="34" charset="-122"/>
+              </a:rPr>
+              <a:t> jag</a:t>
+            </a:r>
+            <a:endParaRPr lang="sv-SE" dirty="0">
+              <a:latin typeface="Microsoft YaHei UI Light" panose="020B0502040204020203" pitchFamily="34" charset="-122"/>
+              <a:ea typeface="Microsoft YaHei UI Light" panose="020B0502040204020203" pitchFamily="34" charset="-122"/>
+            </a:endParaRPr>
+          </a:p>
+        </p:txBody>
+      </p:sp>
+      <p:sp>
+        <p:nvSpPr>
+          <p:cNvPr id="17" name="Rectangle 16">
+            <a:extLst>
+              <a:ext uri="{FF2B5EF4-FFF2-40B4-BE49-F238E27FC236}">
+                <a16:creationId xmlns:a16="http://schemas.microsoft.com/office/drawing/2014/main" id="{979A18DE-3F93-49FB-BD11-C8D216CC9F02}"/>
+              </a:ext>
+            </a:extLst>
+          </p:cNvPr>
+          <p:cNvSpPr/>
+          <p:nvPr/>
+        </p:nvSpPr>
+        <p:spPr>
+          <a:xfrm>
+            <a:off x="7005140" y="3116126"/>
+            <a:ext cx="3019344" cy="2031912"/>
+          </a:xfrm>
+          <a:prstGeom prst="rect">
+            <a:avLst/>
+          </a:prstGeom>
+          <a:solidFill>
+            <a:schemeClr val="bg1"/>
+          </a:solidFill>
+          <a:ln>
+            <a:solidFill>
+              <a:srgbClr val="155997"/>
+            </a:solidFill>
+          </a:ln>
+          <a:effectLst>
+            <a:outerShdw blurRad="50800" dist="38100" algn="l" rotWithShape="0">
+              <a:prstClr val="black">
+                <a:alpha val="40000"/>
+              </a:prstClr>
+            </a:outerShdw>
+          </a:effectLst>
+        </p:spPr>
+        <p:style>
+          <a:lnRef idx="2">
+            <a:schemeClr val="accent1">
+              <a:shade val="50000"/>
+            </a:schemeClr>
+          </a:lnRef>
+          <a:fillRef idx="1">
+            <a:schemeClr val="accent1"/>
+          </a:fillRef>
+          <a:effectRef idx="0">
+            <a:schemeClr val="accent1"/>
+          </a:effectRef>
+          <a:fontRef idx="minor">
+            <a:schemeClr val="lt1"/>
+          </a:fontRef>
+        </p:style>
+        <p:txBody>
+          <a:bodyPr rtlCol="0" anchor="t"/>
+          <a:lstStyle/>
+          <a:p>
+            <a:r>
+              <a:rPr lang="en-US" dirty="0" err="1">
+                <a:solidFill>
+                  <a:schemeClr val="tx1"/>
+                </a:solidFill>
+              </a:rPr>
+              <a:t>Idag</a:t>
+            </a:r>
+            <a:r>
+              <a:rPr lang="en-US" dirty="0">
+                <a:solidFill>
+                  <a:schemeClr val="tx1"/>
+                </a:solidFill>
+              </a:rPr>
+              <a:t> </a:t>
+            </a:r>
+            <a:r>
+              <a:rPr lang="en-US" dirty="0" err="1">
+                <a:solidFill>
+                  <a:schemeClr val="tx1"/>
+                </a:solidFill>
+              </a:rPr>
+              <a:t>blev</a:t>
+            </a:r>
+            <a:r>
+              <a:rPr lang="en-US" dirty="0">
+                <a:solidFill>
+                  <a:schemeClr val="tx1"/>
+                </a:solidFill>
+              </a:rPr>
+              <a:t> jag </a:t>
+            </a:r>
+            <a:r>
+              <a:rPr lang="en-US" dirty="0" err="1">
+                <a:solidFill>
+                  <a:schemeClr val="tx1"/>
+                </a:solidFill>
+              </a:rPr>
+              <a:t>kallad</a:t>
+            </a:r>
+            <a:r>
+              <a:rPr lang="en-US" dirty="0">
+                <a:solidFill>
+                  <a:schemeClr val="tx1"/>
+                </a:solidFill>
+              </a:rPr>
+              <a:t> </a:t>
+            </a:r>
+            <a:r>
+              <a:rPr lang="en-US" dirty="0" err="1">
+                <a:solidFill>
+                  <a:schemeClr val="tx1"/>
+                </a:solidFill>
+              </a:rPr>
+              <a:t>för</a:t>
+            </a:r>
+            <a:r>
+              <a:rPr lang="en-US" dirty="0">
+                <a:solidFill>
+                  <a:schemeClr val="tx1"/>
+                </a:solidFill>
+              </a:rPr>
+              <a:t>…</a:t>
+            </a:r>
+            <a:endParaRPr lang="sv-SE" dirty="0">
+              <a:solidFill>
+                <a:schemeClr val="tx1"/>
+              </a:solidFill>
+            </a:endParaRPr>
+          </a:p>
+        </p:txBody>
+      </p:sp>
+      <p:grpSp>
+        <p:nvGrpSpPr>
+          <p:cNvPr id="18" name="Group 17">
+            <a:extLst>
+              <a:ext uri="{FF2B5EF4-FFF2-40B4-BE49-F238E27FC236}">
+                <a16:creationId xmlns:a16="http://schemas.microsoft.com/office/drawing/2014/main" id="{B698800A-8B95-4ADC-9F34-74EFE7F5DA3D}"/>
+              </a:ext>
+            </a:extLst>
+          </p:cNvPr>
+          <p:cNvGrpSpPr/>
+          <p:nvPr/>
+        </p:nvGrpSpPr>
+        <p:grpSpPr>
+          <a:xfrm>
+            <a:off x="8137083" y="5307778"/>
+            <a:ext cx="774192" cy="791606"/>
+            <a:chOff x="2347247" y="4009734"/>
+            <a:chExt cx="1173424" cy="1173424"/>
+          </a:xfrm>
+        </p:grpSpPr>
+        <p:sp>
+          <p:nvSpPr>
+            <p:cNvPr id="34" name="Oval 33">
+              <a:extLst>
+                <a:ext uri="{FF2B5EF4-FFF2-40B4-BE49-F238E27FC236}">
+                  <a16:creationId xmlns:a16="http://schemas.microsoft.com/office/drawing/2014/main" id="{8FB3DD33-DE46-452B-B9E6-5668D8749CD3}"/>
+                </a:ext>
+              </a:extLst>
+            </p:cNvPr>
+            <p:cNvSpPr/>
+            <p:nvPr/>
+          </p:nvSpPr>
+          <p:spPr>
+            <a:xfrm>
+              <a:off x="2347247" y="4009734"/>
+              <a:ext cx="1173424" cy="1173424"/>
+            </a:xfrm>
+            <a:prstGeom prst="ellipse">
+              <a:avLst/>
+            </a:prstGeom>
+            <a:solidFill>
+              <a:srgbClr val="155997"/>
+            </a:solidFill>
+            <a:ln>
+              <a:noFill/>
+            </a:ln>
+          </p:spPr>
+          <p:style>
+            <a:lnRef idx="2">
+              <a:schemeClr val="accent1">
+                <a:shade val="50000"/>
+              </a:schemeClr>
+            </a:lnRef>
+            <a:fillRef idx="1">
+              <a:schemeClr val="accent1"/>
+            </a:fillRef>
+            <a:effectRef idx="0">
+              <a:schemeClr val="accent1"/>
+            </a:effectRef>
+            <a:fontRef idx="minor">
+              <a:schemeClr val="lt1"/>
+            </a:fontRef>
+          </p:style>
+          <p:txBody>
+            <a:bodyPr rtlCol="0" anchor="ctr"/>
+            <a:lstStyle/>
+            <a:p>
+              <a:pPr algn="ctr"/>
+              <a:endParaRPr lang="sv-SE"/>
+            </a:p>
+          </p:txBody>
+        </p:sp>
+        <p:pic>
+          <p:nvPicPr>
+            <p:cNvPr id="8" name="Graphic 7" descr="Children">
+              <a:extLst>
+                <a:ext uri="{FF2B5EF4-FFF2-40B4-BE49-F238E27FC236}">
+                  <a16:creationId xmlns:a16="http://schemas.microsoft.com/office/drawing/2014/main" id="{135CAF0A-B89A-404A-ABC0-A9279604B06F}"/>
+                </a:ext>
+              </a:extLst>
+            </p:cNvPr>
+            <p:cNvPicPr>
+              <a:picLocks noChangeAspect="1"/>
+            </p:cNvPicPr>
+            <p:nvPr/>
+          </p:nvPicPr>
+          <p:blipFill>
+            <a:blip r:embed="rId18">
+              <a:extLst>
+                <a:ext uri="{28A0092B-C50C-407E-A947-70E740481C1C}">
+                  <a14:useLocalDpi xmlns:a14="http://schemas.microsoft.com/office/drawing/2010/main" val="0"/>
+                </a:ext>
+                <a:ext uri="{96DAC541-7B7A-43D3-8B79-37D633B846F1}">
+                  <asvg:svgBlip xmlns:asvg="http://schemas.microsoft.com/office/drawing/2016/SVG/main" r:embed="rId19"/>
+                </a:ext>
+              </a:extLst>
+            </a:blip>
+            <a:stretch>
+              <a:fillRect/>
+            </a:stretch>
+          </p:blipFill>
+          <p:spPr>
+            <a:xfrm>
+              <a:off x="2476547" y="4064962"/>
+              <a:ext cx="914400" cy="914400"/>
+            </a:xfrm>
+            <a:prstGeom prst="rect">
+              <a:avLst/>
+            </a:prstGeom>
+          </p:spPr>
+        </p:pic>
+        <p:sp>
+          <p:nvSpPr>
+            <p:cNvPr id="29" name="TextBox 28">
+              <a:extLst>
+                <a:ext uri="{FF2B5EF4-FFF2-40B4-BE49-F238E27FC236}">
+                  <a16:creationId xmlns:a16="http://schemas.microsoft.com/office/drawing/2014/main" id="{6EB81D51-97B0-4815-A84D-998E17D1150C}"/>
+                </a:ext>
+              </a:extLst>
+            </p:cNvPr>
+            <p:cNvSpPr txBox="1"/>
+            <p:nvPr/>
+          </p:nvSpPr>
+          <p:spPr>
+            <a:xfrm>
+              <a:off x="2347247" y="4714192"/>
+              <a:ext cx="1173424" cy="373197"/>
+            </a:xfrm>
+            <a:prstGeom prst="rect">
+              <a:avLst/>
+            </a:prstGeom>
+            <a:noFill/>
+          </p:spPr>
+          <p:txBody>
+            <a:bodyPr wrap="square" rtlCol="0">
+              <a:spAutoFit/>
+            </a:bodyPr>
+            <a:lstStyle/>
+            <a:p>
+              <a:pPr algn="ctr"/>
+              <a:r>
+                <a:rPr lang="en-US" sz="1000" dirty="0">
+                  <a:solidFill>
+                    <a:schemeClr val="bg1"/>
+                  </a:solidFill>
+                  <a:latin typeface="Microsoft YaHei UI Light" panose="020B0502040204020203" pitchFamily="34" charset="-122"/>
+                  <a:ea typeface="Microsoft YaHei UI Light" panose="020B0502040204020203" pitchFamily="34" charset="-122"/>
+                </a:rPr>
+                <a:t>#</a:t>
+              </a:r>
+              <a:r>
+                <a:rPr lang="en-US" sz="1000" dirty="0" err="1">
+                  <a:solidFill>
+                    <a:schemeClr val="bg1"/>
+                  </a:solidFill>
+                  <a:latin typeface="Microsoft YaHei UI Light" panose="020B0502040204020203" pitchFamily="34" charset="-122"/>
+                  <a:ea typeface="Microsoft YaHei UI Light" panose="020B0502040204020203" pitchFamily="34" charset="-122"/>
+                </a:rPr>
+                <a:t>ToMe</a:t>
+              </a:r>
+              <a:endParaRPr lang="sv-SE" sz="1000" dirty="0">
                 <a:solidFill>
                   <a:schemeClr val="bg1"/>
                 </a:solidFill>
                 <a:latin typeface="Microsoft YaHei UI Light" panose="020B0502040204020203" pitchFamily="34" charset="-122"/>
                 <a:ea typeface="Microsoft YaHei UI Light" panose="020B0502040204020203" pitchFamily="34" charset="-122"/>
-              </a:rPr>
-              <a:t>#</a:t>
-            </a:r>
-            <a:r>
-              <a:rPr lang="en-US" dirty="0" err="1">
+              </a:endParaRPr>
+            </a:p>
+          </p:txBody>
+        </p:sp>
+      </p:grpSp>
+      <p:grpSp>
+        <p:nvGrpSpPr>
+          <p:cNvPr id="31" name="Group 30">
+            <a:extLst>
+              <a:ext uri="{FF2B5EF4-FFF2-40B4-BE49-F238E27FC236}">
+                <a16:creationId xmlns:a16="http://schemas.microsoft.com/office/drawing/2014/main" id="{0652EE2E-0BAA-41E2-9049-B7C59B5C878D}"/>
+              </a:ext>
+            </a:extLst>
+          </p:cNvPr>
+          <p:cNvGrpSpPr/>
+          <p:nvPr/>
+        </p:nvGrpSpPr>
+        <p:grpSpPr>
+          <a:xfrm>
+            <a:off x="2246172" y="4660681"/>
+            <a:ext cx="1173424" cy="1173424"/>
+            <a:chOff x="2347247" y="4009734"/>
+            <a:chExt cx="1173424" cy="1173424"/>
+          </a:xfrm>
+        </p:grpSpPr>
+        <p:sp>
+          <p:nvSpPr>
+            <p:cNvPr id="32" name="Oval 31">
+              <a:extLst>
+                <a:ext uri="{FF2B5EF4-FFF2-40B4-BE49-F238E27FC236}">
+                  <a16:creationId xmlns:a16="http://schemas.microsoft.com/office/drawing/2014/main" id="{9B1C36F8-46CC-4C0A-ADE3-31C7E4411A0B}"/>
+                </a:ext>
+              </a:extLst>
+            </p:cNvPr>
+            <p:cNvSpPr/>
+            <p:nvPr/>
+          </p:nvSpPr>
+          <p:spPr>
+            <a:xfrm>
+              <a:off x="2347247" y="4009734"/>
+              <a:ext cx="1173424" cy="1173424"/>
+            </a:xfrm>
+            <a:prstGeom prst="ellipse">
+              <a:avLst/>
+            </a:prstGeom>
+            <a:solidFill>
+              <a:srgbClr val="155997"/>
+            </a:solidFill>
+            <a:ln>
+              <a:noFill/>
+            </a:ln>
+          </p:spPr>
+          <p:style>
+            <a:lnRef idx="2">
+              <a:schemeClr val="accent1">
+                <a:shade val="50000"/>
+              </a:schemeClr>
+            </a:lnRef>
+            <a:fillRef idx="1">
+              <a:schemeClr val="accent1"/>
+            </a:fillRef>
+            <a:effectRef idx="0">
+              <a:schemeClr val="accent1"/>
+            </a:effectRef>
+            <a:fontRef idx="minor">
+              <a:schemeClr val="lt1"/>
+            </a:fontRef>
+          </p:style>
+          <p:txBody>
+            <a:bodyPr rtlCol="0" anchor="ctr"/>
+            <a:lstStyle/>
+            <a:p>
+              <a:pPr algn="ctr"/>
+              <a:endParaRPr lang="sv-SE"/>
+            </a:p>
+          </p:txBody>
+        </p:sp>
+        <p:pic>
+          <p:nvPicPr>
+            <p:cNvPr id="33" name="Graphic 32" descr="Children">
+              <a:extLst>
+                <a:ext uri="{FF2B5EF4-FFF2-40B4-BE49-F238E27FC236}">
+                  <a16:creationId xmlns:a16="http://schemas.microsoft.com/office/drawing/2014/main" id="{228F4867-771F-4C91-B1F1-4134E1853073}"/>
+                </a:ext>
+              </a:extLst>
+            </p:cNvPr>
+            <p:cNvPicPr>
+              <a:picLocks noChangeAspect="1"/>
+            </p:cNvPicPr>
+            <p:nvPr/>
+          </p:nvPicPr>
+          <p:blipFill>
+            <a:blip r:embed="rId18">
+              <a:extLst>
+                <a:ext uri="{28A0092B-C50C-407E-A947-70E740481C1C}">
+                  <a14:useLocalDpi xmlns:a14="http://schemas.microsoft.com/office/drawing/2010/main" val="0"/>
+                </a:ext>
+                <a:ext uri="{96DAC541-7B7A-43D3-8B79-37D633B846F1}">
+                  <asvg:svgBlip xmlns:asvg="http://schemas.microsoft.com/office/drawing/2016/SVG/main" r:embed="rId19"/>
+                </a:ext>
+              </a:extLst>
+            </a:blip>
+            <a:stretch>
+              <a:fillRect/>
+            </a:stretch>
+          </p:blipFill>
+          <p:spPr>
+            <a:xfrm>
+              <a:off x="2476547" y="4064962"/>
+              <a:ext cx="914400" cy="914400"/>
+            </a:xfrm>
+            <a:prstGeom prst="rect">
+              <a:avLst/>
+            </a:prstGeom>
+          </p:spPr>
+        </p:pic>
+        <p:sp>
+          <p:nvSpPr>
+            <p:cNvPr id="37" name="TextBox 36">
+              <a:extLst>
+                <a:ext uri="{FF2B5EF4-FFF2-40B4-BE49-F238E27FC236}">
+                  <a16:creationId xmlns:a16="http://schemas.microsoft.com/office/drawing/2014/main" id="{079A1AD2-F8A7-4AC3-B1CF-15104BE26B09}"/>
+                </a:ext>
+              </a:extLst>
+            </p:cNvPr>
+            <p:cNvSpPr txBox="1"/>
+            <p:nvPr/>
+          </p:nvSpPr>
+          <p:spPr>
+            <a:xfrm>
+              <a:off x="2347247" y="4714192"/>
+              <a:ext cx="1173424" cy="369332"/>
+            </a:xfrm>
+            <a:prstGeom prst="rect">
+              <a:avLst/>
+            </a:prstGeom>
+            <a:noFill/>
+          </p:spPr>
+          <p:txBody>
+            <a:bodyPr wrap="square" rtlCol="0">
+              <a:spAutoFit/>
+            </a:bodyPr>
+            <a:lstStyle/>
+            <a:p>
+              <a:pPr algn="ctr"/>
+              <a:r>
+                <a:rPr lang="en-US" dirty="0">
+                  <a:solidFill>
+                    <a:schemeClr val="bg1"/>
+                  </a:solidFill>
+                  <a:latin typeface="Microsoft YaHei UI Light" panose="020B0502040204020203" pitchFamily="34" charset="-122"/>
+                  <a:ea typeface="Microsoft YaHei UI Light" panose="020B0502040204020203" pitchFamily="34" charset="-122"/>
+                </a:rPr>
+                <a:t>#</a:t>
+              </a:r>
+              <a:r>
+                <a:rPr lang="en-US" dirty="0" err="1">
+                  <a:solidFill>
+                    <a:schemeClr val="bg1"/>
+                  </a:solidFill>
+                  <a:latin typeface="Microsoft YaHei UI Light" panose="020B0502040204020203" pitchFamily="34" charset="-122"/>
+                  <a:ea typeface="Microsoft YaHei UI Light" panose="020B0502040204020203" pitchFamily="34" charset="-122"/>
+                </a:rPr>
+                <a:t>ToMe</a:t>
+              </a:r>
+              <a:endParaRPr lang="sv-SE" dirty="0">
                 <a:solidFill>
                   <a:schemeClr val="bg1"/>
                 </a:solidFill>
                 <a:latin typeface="Microsoft YaHei UI Light" panose="020B0502040204020203" pitchFamily="34" charset="-122"/>
                 <a:ea typeface="Microsoft YaHei UI Light" panose="020B0502040204020203" pitchFamily="34" charset="-122"/>
-              </a:rPr>
-              <a:t>ToMe</a:t>
-            </a:r>
-            <a:endParaRPr lang="sv-SE" dirty="0">
-              <a:solidFill>
-                <a:schemeClr val="bg1"/>
-              </a:solidFill>
-              <a:latin typeface="Microsoft YaHei UI Light" panose="020B0502040204020203" pitchFamily="34" charset="-122"/>
-              <a:ea typeface="Microsoft YaHei UI Light" panose="020B0502040204020203" pitchFamily="34" charset="-122"/>
-            </a:endParaRPr>
-          </a:p>
-        </p:txBody>
-      </p:sp>
+              </a:endParaRPr>
+            </a:p>
+          </p:txBody>
+        </p:sp>
+      </p:grpSp>
     </p:spTree>
     <p:extLst>
       <p:ext uri="{BB962C8B-B14F-4D97-AF65-F5344CB8AC3E}">

--- a/to-me-images.pptx
+++ b/to-me-images.pptx
@@ -5,11 +5,12 @@
     <p:sldMasterId id="2147483648" r:id="rId1"/>
   </p:sldMasterIdLst>
   <p:notesMasterIdLst>
-    <p:notesMasterId r:id="rId4"/>
+    <p:notesMasterId r:id="rId5"/>
   </p:notesMasterIdLst>
   <p:sldIdLst>
     <p:sldId id="256" r:id="rId2"/>
     <p:sldId id="257" r:id="rId3"/>
+    <p:sldId id="258" r:id="rId4"/>
   </p:sldIdLst>
   <p:sldSz cx="12192000" cy="6858000"/>
   <p:notesSz cx="6858000" cy="9144000"/>
@@ -202,7 +203,7 @@
           <a:p>
             <a:fld id="{A4934818-65A8-4090-AE03-47250CAFA2C4}" type="datetimeFigureOut">
               <a:rPr lang="sv-SE" smtClean="0"/>
-              <a:t>2017-11-27</a:t>
+              <a:t>2017-12-04</a:t>
             </a:fld>
             <a:endParaRPr lang="sv-SE"/>
           </a:p>
@@ -619,7 +620,7 @@
           <a:p>
             <a:fld id="{586E13D5-D7B9-41C0-AC65-99C375944FAF}" type="datetimeFigureOut">
               <a:rPr lang="sv-SE" smtClean="0"/>
-              <a:t>2017-11-27</a:t>
+              <a:t>2017-12-04</a:t>
             </a:fld>
             <a:endParaRPr lang="sv-SE"/>
           </a:p>
@@ -819,7 +820,7 @@
           <a:p>
             <a:fld id="{586E13D5-D7B9-41C0-AC65-99C375944FAF}" type="datetimeFigureOut">
               <a:rPr lang="sv-SE" smtClean="0"/>
-              <a:t>2017-11-27</a:t>
+              <a:t>2017-12-04</a:t>
             </a:fld>
             <a:endParaRPr lang="sv-SE"/>
           </a:p>
@@ -1029,7 +1030,7 @@
           <a:p>
             <a:fld id="{586E13D5-D7B9-41C0-AC65-99C375944FAF}" type="datetimeFigureOut">
               <a:rPr lang="sv-SE" smtClean="0"/>
-              <a:t>2017-11-27</a:t>
+              <a:t>2017-12-04</a:t>
             </a:fld>
             <a:endParaRPr lang="sv-SE"/>
           </a:p>
@@ -1229,7 +1230,7 @@
           <a:p>
             <a:fld id="{586E13D5-D7B9-41C0-AC65-99C375944FAF}" type="datetimeFigureOut">
               <a:rPr lang="sv-SE" smtClean="0"/>
-              <a:t>2017-11-27</a:t>
+              <a:t>2017-12-04</a:t>
             </a:fld>
             <a:endParaRPr lang="sv-SE"/>
           </a:p>
@@ -1505,7 +1506,7 @@
           <a:p>
             <a:fld id="{586E13D5-D7B9-41C0-AC65-99C375944FAF}" type="datetimeFigureOut">
               <a:rPr lang="sv-SE" smtClean="0"/>
-              <a:t>2017-11-27</a:t>
+              <a:t>2017-12-04</a:t>
             </a:fld>
             <a:endParaRPr lang="sv-SE"/>
           </a:p>
@@ -1773,7 +1774,7 @@
           <a:p>
             <a:fld id="{586E13D5-D7B9-41C0-AC65-99C375944FAF}" type="datetimeFigureOut">
               <a:rPr lang="sv-SE" smtClean="0"/>
-              <a:t>2017-11-27</a:t>
+              <a:t>2017-12-04</a:t>
             </a:fld>
             <a:endParaRPr lang="sv-SE"/>
           </a:p>
@@ -2188,7 +2189,7 @@
           <a:p>
             <a:fld id="{586E13D5-D7B9-41C0-AC65-99C375944FAF}" type="datetimeFigureOut">
               <a:rPr lang="sv-SE" smtClean="0"/>
-              <a:t>2017-11-27</a:t>
+              <a:t>2017-12-04</a:t>
             </a:fld>
             <a:endParaRPr lang="sv-SE"/>
           </a:p>
@@ -2330,7 +2331,7 @@
           <a:p>
             <a:fld id="{586E13D5-D7B9-41C0-AC65-99C375944FAF}" type="datetimeFigureOut">
               <a:rPr lang="sv-SE" smtClean="0"/>
-              <a:t>2017-11-27</a:t>
+              <a:t>2017-12-04</a:t>
             </a:fld>
             <a:endParaRPr lang="sv-SE"/>
           </a:p>
@@ -2443,7 +2444,7 @@
           <a:p>
             <a:fld id="{586E13D5-D7B9-41C0-AC65-99C375944FAF}" type="datetimeFigureOut">
               <a:rPr lang="sv-SE" smtClean="0"/>
-              <a:t>2017-11-27</a:t>
+              <a:t>2017-12-04</a:t>
             </a:fld>
             <a:endParaRPr lang="sv-SE"/>
           </a:p>
@@ -2756,7 +2757,7 @@
           <a:p>
             <a:fld id="{586E13D5-D7B9-41C0-AC65-99C375944FAF}" type="datetimeFigureOut">
               <a:rPr lang="sv-SE" smtClean="0"/>
-              <a:t>2017-11-27</a:t>
+              <a:t>2017-12-04</a:t>
             </a:fld>
             <a:endParaRPr lang="sv-SE"/>
           </a:p>
@@ -3045,7 +3046,7 @@
           <a:p>
             <a:fld id="{586E13D5-D7B9-41C0-AC65-99C375944FAF}" type="datetimeFigureOut">
               <a:rPr lang="sv-SE" smtClean="0"/>
-              <a:t>2017-11-27</a:t>
+              <a:t>2017-12-04</a:t>
             </a:fld>
             <a:endParaRPr lang="sv-SE"/>
           </a:p>
@@ -3288,7 +3289,7 @@
           <a:p>
             <a:fld id="{586E13D5-D7B9-41C0-AC65-99C375944FAF}" type="datetimeFigureOut">
               <a:rPr lang="sv-SE" smtClean="0"/>
-              <a:t>2017-11-27</a:t>
+              <a:t>2017-12-04</a:t>
             </a:fld>
             <a:endParaRPr lang="sv-SE"/>
           </a:p>
@@ -4867,6 +4868,1064 @@
     <p:extLst>
       <p:ext uri="{BB962C8B-B14F-4D97-AF65-F5344CB8AC3E}">
         <p14:creationId xmlns:p14="http://schemas.microsoft.com/office/powerpoint/2010/main" val="3398213930"/>
+      </p:ext>
+    </p:extLst>
+  </p:cSld>
+  <p:clrMapOvr>
+    <a:masterClrMapping/>
+  </p:clrMapOvr>
+</p:sld>
+</file>
+
+<file path=ppt/slides/slide3.xml><?xml version="1.0" encoding="utf-8"?>
+<p:sld xmlns:a="http://schemas.openxmlformats.org/drawingml/2006/main" xmlns:r="http://schemas.openxmlformats.org/officeDocument/2006/relationships" xmlns:p="http://schemas.openxmlformats.org/presentationml/2006/main">
+  <p:cSld>
+    <p:spTree>
+      <p:nvGrpSpPr>
+        <p:cNvPr id="1" name=""/>
+        <p:cNvGrpSpPr/>
+        <p:nvPr/>
+      </p:nvGrpSpPr>
+      <p:grpSpPr>
+        <a:xfrm>
+          <a:off x="0" y="0"/>
+          <a:ext cx="0" cy="0"/>
+          <a:chOff x="0" y="0"/>
+          <a:chExt cx="0" cy="0"/>
+        </a:xfrm>
+      </p:grpSpPr>
+      <p:grpSp>
+        <p:nvGrpSpPr>
+          <p:cNvPr id="10" name="Group 9">
+            <a:extLst>
+              <a:ext uri="{FF2B5EF4-FFF2-40B4-BE49-F238E27FC236}">
+                <a16:creationId xmlns:a16="http://schemas.microsoft.com/office/drawing/2014/main" id="{1E54C7C3-7534-4405-9880-E76ECD5402CA}"/>
+              </a:ext>
+            </a:extLst>
+          </p:cNvPr>
+          <p:cNvGrpSpPr/>
+          <p:nvPr/>
+        </p:nvGrpSpPr>
+        <p:grpSpPr>
+          <a:xfrm>
+            <a:off x="4922576" y="4545253"/>
+            <a:ext cx="1173424" cy="1173424"/>
+            <a:chOff x="2347247" y="4009734"/>
+            <a:chExt cx="1173424" cy="1173424"/>
+          </a:xfrm>
+        </p:grpSpPr>
+        <p:sp>
+          <p:nvSpPr>
+            <p:cNvPr id="11" name="Oval 10">
+              <a:extLst>
+                <a:ext uri="{FF2B5EF4-FFF2-40B4-BE49-F238E27FC236}">
+                  <a16:creationId xmlns:a16="http://schemas.microsoft.com/office/drawing/2014/main" id="{00AD79ED-281B-41EB-88D9-289A22C4C2DC}"/>
+                </a:ext>
+              </a:extLst>
+            </p:cNvPr>
+            <p:cNvSpPr/>
+            <p:nvPr/>
+          </p:nvSpPr>
+          <p:spPr>
+            <a:xfrm>
+              <a:off x="2347247" y="4009734"/>
+              <a:ext cx="1173424" cy="1173424"/>
+            </a:xfrm>
+            <a:prstGeom prst="ellipse">
+              <a:avLst/>
+            </a:prstGeom>
+            <a:solidFill>
+              <a:srgbClr val="155997"/>
+            </a:solidFill>
+            <a:ln>
+              <a:noFill/>
+            </a:ln>
+          </p:spPr>
+          <p:style>
+            <a:lnRef idx="2">
+              <a:schemeClr val="accent1">
+                <a:shade val="50000"/>
+              </a:schemeClr>
+            </a:lnRef>
+            <a:fillRef idx="1">
+              <a:schemeClr val="accent1"/>
+            </a:fillRef>
+            <a:effectRef idx="0">
+              <a:schemeClr val="accent1"/>
+            </a:effectRef>
+            <a:fontRef idx="minor">
+              <a:schemeClr val="lt1"/>
+            </a:fontRef>
+          </p:style>
+          <p:txBody>
+            <a:bodyPr rtlCol="0" anchor="ctr"/>
+            <a:lstStyle/>
+            <a:p>
+              <a:pPr algn="ctr"/>
+              <a:endParaRPr lang="sv-SE"/>
+            </a:p>
+          </p:txBody>
+        </p:sp>
+        <p:pic>
+          <p:nvPicPr>
+            <p:cNvPr id="12" name="Graphic 11" descr="Children">
+              <a:extLst>
+                <a:ext uri="{FF2B5EF4-FFF2-40B4-BE49-F238E27FC236}">
+                  <a16:creationId xmlns:a16="http://schemas.microsoft.com/office/drawing/2014/main" id="{DBEB0050-06CF-4262-9974-48AFBB34694D}"/>
+                </a:ext>
+              </a:extLst>
+            </p:cNvPr>
+            <p:cNvPicPr>
+              <a:picLocks noChangeAspect="1"/>
+            </p:cNvPicPr>
+            <p:nvPr/>
+          </p:nvPicPr>
+          <p:blipFill>
+            <a:blip r:embed="rId2">
+              <a:extLst>
+                <a:ext uri="{28A0092B-C50C-407E-A947-70E740481C1C}">
+                  <a14:useLocalDpi xmlns:a14="http://schemas.microsoft.com/office/drawing/2010/main" val="0"/>
+                </a:ext>
+                <a:ext uri="{96DAC541-7B7A-43D3-8B79-37D633B846F1}">
+                  <asvg:svgBlip xmlns:asvg="http://schemas.microsoft.com/office/drawing/2016/SVG/main" r:embed="rId3"/>
+                </a:ext>
+              </a:extLst>
+            </a:blip>
+            <a:stretch>
+              <a:fillRect/>
+            </a:stretch>
+          </p:blipFill>
+          <p:spPr>
+            <a:xfrm>
+              <a:off x="2476547" y="4064962"/>
+              <a:ext cx="914400" cy="914400"/>
+            </a:xfrm>
+            <a:prstGeom prst="rect">
+              <a:avLst/>
+            </a:prstGeom>
+          </p:spPr>
+        </p:pic>
+        <p:sp>
+          <p:nvSpPr>
+            <p:cNvPr id="13" name="TextBox 12">
+              <a:extLst>
+                <a:ext uri="{FF2B5EF4-FFF2-40B4-BE49-F238E27FC236}">
+                  <a16:creationId xmlns:a16="http://schemas.microsoft.com/office/drawing/2014/main" id="{FD5D92AB-39B7-407D-BF71-7B27E298960F}"/>
+                </a:ext>
+              </a:extLst>
+            </p:cNvPr>
+            <p:cNvSpPr txBox="1"/>
+            <p:nvPr/>
+          </p:nvSpPr>
+          <p:spPr>
+            <a:xfrm>
+              <a:off x="2347247" y="4714192"/>
+              <a:ext cx="1173424" cy="369332"/>
+            </a:xfrm>
+            <a:prstGeom prst="rect">
+              <a:avLst/>
+            </a:prstGeom>
+            <a:noFill/>
+          </p:spPr>
+          <p:txBody>
+            <a:bodyPr wrap="square" rtlCol="0">
+              <a:spAutoFit/>
+            </a:bodyPr>
+            <a:lstStyle/>
+            <a:p>
+              <a:pPr algn="ctr"/>
+              <a:r>
+                <a:rPr lang="en-US" dirty="0">
+                  <a:solidFill>
+                    <a:schemeClr val="bg1"/>
+                  </a:solidFill>
+                  <a:latin typeface="Microsoft YaHei UI Light" panose="020B0502040204020203" pitchFamily="34" charset="-122"/>
+                  <a:ea typeface="Microsoft YaHei UI Light" panose="020B0502040204020203" pitchFamily="34" charset="-122"/>
+                </a:rPr>
+                <a:t>#</a:t>
+              </a:r>
+              <a:r>
+                <a:rPr lang="en-US" dirty="0" err="1">
+                  <a:solidFill>
+                    <a:schemeClr val="bg1"/>
+                  </a:solidFill>
+                  <a:latin typeface="Microsoft YaHei UI Light" panose="020B0502040204020203" pitchFamily="34" charset="-122"/>
+                  <a:ea typeface="Microsoft YaHei UI Light" panose="020B0502040204020203" pitchFamily="34" charset="-122"/>
+                </a:rPr>
+                <a:t>ToMe</a:t>
+              </a:r>
+              <a:endParaRPr lang="sv-SE" dirty="0">
+                <a:solidFill>
+                  <a:schemeClr val="bg1"/>
+                </a:solidFill>
+                <a:latin typeface="Microsoft YaHei UI Light" panose="020B0502040204020203" pitchFamily="34" charset="-122"/>
+                <a:ea typeface="Microsoft YaHei UI Light" panose="020B0502040204020203" pitchFamily="34" charset="-122"/>
+              </a:endParaRPr>
+            </a:p>
+          </p:txBody>
+        </p:sp>
+      </p:grpSp>
+      <p:sp>
+        <p:nvSpPr>
+          <p:cNvPr id="14" name="TextBox 13">
+            <a:extLst>
+              <a:ext uri="{FF2B5EF4-FFF2-40B4-BE49-F238E27FC236}">
+                <a16:creationId xmlns:a16="http://schemas.microsoft.com/office/drawing/2014/main" id="{730D5A3D-506D-4882-9155-17B6084804B9}"/>
+              </a:ext>
+            </a:extLst>
+          </p:cNvPr>
+          <p:cNvSpPr txBox="1"/>
+          <p:nvPr/>
+        </p:nvSpPr>
+        <p:spPr>
+          <a:xfrm>
+            <a:off x="8569436" y="4799604"/>
+            <a:ext cx="1774204" cy="369332"/>
+          </a:xfrm>
+          <a:prstGeom prst="rect">
+            <a:avLst/>
+          </a:prstGeom>
+          <a:noFill/>
+        </p:spPr>
+        <p:txBody>
+          <a:bodyPr wrap="none" rtlCol="0">
+            <a:spAutoFit/>
+          </a:bodyPr>
+          <a:lstStyle/>
+          <a:p>
+            <a:r>
+              <a:rPr lang="en-US" dirty="0" err="1"/>
+              <a:t>Påverka</a:t>
+            </a:r>
+            <a:r>
+              <a:rPr lang="en-US" dirty="0"/>
+              <a:t> </a:t>
+            </a:r>
+            <a:r>
+              <a:rPr lang="en-US" dirty="0" err="1"/>
+              <a:t>attityder</a:t>
+            </a:r>
+            <a:endParaRPr lang="sv-SE" dirty="0"/>
+          </a:p>
+        </p:txBody>
+      </p:sp>
+      <p:sp>
+        <p:nvSpPr>
+          <p:cNvPr id="22" name="TextBox 21">
+            <a:extLst>
+              <a:ext uri="{FF2B5EF4-FFF2-40B4-BE49-F238E27FC236}">
+                <a16:creationId xmlns:a16="http://schemas.microsoft.com/office/drawing/2014/main" id="{166E497E-2556-43B1-B3F5-2069F9D47A0F}"/>
+              </a:ext>
+            </a:extLst>
+          </p:cNvPr>
+          <p:cNvSpPr txBox="1"/>
+          <p:nvPr/>
+        </p:nvSpPr>
+        <p:spPr>
+          <a:xfrm>
+            <a:off x="7806054" y="5249711"/>
+            <a:ext cx="3742948" cy="369332"/>
+          </a:xfrm>
+          <a:prstGeom prst="rect">
+            <a:avLst/>
+          </a:prstGeom>
+          <a:noFill/>
+        </p:spPr>
+        <p:txBody>
+          <a:bodyPr wrap="none" rtlCol="0">
+            <a:spAutoFit/>
+          </a:bodyPr>
+          <a:lstStyle/>
+          <a:p>
+            <a:r>
+              <a:rPr lang="en-US" dirty="0" err="1"/>
+              <a:t>Få</a:t>
+            </a:r>
+            <a:r>
+              <a:rPr lang="en-US" dirty="0"/>
+              <a:t> </a:t>
+            </a:r>
+            <a:r>
+              <a:rPr lang="en-US" dirty="0" err="1"/>
+              <a:t>bort</a:t>
+            </a:r>
+            <a:r>
+              <a:rPr lang="en-US" dirty="0"/>
+              <a:t> </a:t>
+            </a:r>
+            <a:r>
+              <a:rPr lang="en-US" dirty="0" err="1"/>
+              <a:t>skadliga</a:t>
+            </a:r>
+            <a:r>
+              <a:rPr lang="en-US" dirty="0"/>
+              <a:t>, </a:t>
+            </a:r>
+            <a:r>
+              <a:rPr lang="en-US" dirty="0" err="1"/>
+              <a:t>stereotypa</a:t>
+            </a:r>
+            <a:r>
+              <a:rPr lang="en-US" dirty="0"/>
+              <a:t> </a:t>
+            </a:r>
+            <a:r>
+              <a:rPr lang="en-US" dirty="0" err="1"/>
+              <a:t>könsroller</a:t>
+            </a:r>
+            <a:endParaRPr lang="sv-SE" dirty="0"/>
+          </a:p>
+        </p:txBody>
+      </p:sp>
+      <p:sp>
+        <p:nvSpPr>
+          <p:cNvPr id="26" name="TextBox 25">
+            <a:extLst>
+              <a:ext uri="{FF2B5EF4-FFF2-40B4-BE49-F238E27FC236}">
+                <a16:creationId xmlns:a16="http://schemas.microsoft.com/office/drawing/2014/main" id="{6B448F0D-FF3F-4DE6-BE5D-B0642A721E0E}"/>
+              </a:ext>
+            </a:extLst>
+          </p:cNvPr>
+          <p:cNvSpPr txBox="1"/>
+          <p:nvPr/>
+        </p:nvSpPr>
+        <p:spPr>
+          <a:xfrm>
+            <a:off x="7627222" y="5617893"/>
+            <a:ext cx="4161524" cy="369332"/>
+          </a:xfrm>
+          <a:prstGeom prst="rect">
+            <a:avLst/>
+          </a:prstGeom>
+          <a:noFill/>
+        </p:spPr>
+        <p:txBody>
+          <a:bodyPr wrap="none" rtlCol="0">
+            <a:spAutoFit/>
+          </a:bodyPr>
+          <a:lstStyle/>
+          <a:p>
+            <a:r>
+              <a:rPr lang="en-US" dirty="0" err="1"/>
+              <a:t>Lära</a:t>
+            </a:r>
+            <a:r>
+              <a:rPr lang="en-US" dirty="0"/>
+              <a:t> barn </a:t>
+            </a:r>
+            <a:r>
+              <a:rPr lang="en-US" dirty="0" err="1"/>
+              <a:t>respektera</a:t>
+            </a:r>
+            <a:r>
+              <a:rPr lang="en-US" dirty="0"/>
+              <a:t> sig </a:t>
+            </a:r>
+            <a:r>
+              <a:rPr lang="en-US" dirty="0" err="1"/>
+              <a:t>själv</a:t>
+            </a:r>
+            <a:r>
+              <a:rPr lang="en-US" dirty="0"/>
+              <a:t> </a:t>
+            </a:r>
+            <a:r>
+              <a:rPr lang="en-US" dirty="0" err="1"/>
+              <a:t>och</a:t>
+            </a:r>
+            <a:r>
+              <a:rPr lang="en-US" dirty="0"/>
+              <a:t> </a:t>
+            </a:r>
+            <a:r>
+              <a:rPr lang="en-US" dirty="0" err="1"/>
+              <a:t>varandra</a:t>
+            </a:r>
+            <a:endParaRPr lang="sv-SE" dirty="0"/>
+          </a:p>
+        </p:txBody>
+      </p:sp>
+      <p:sp>
+        <p:nvSpPr>
+          <p:cNvPr id="27" name="Rectangle 26">
+            <a:extLst>
+              <a:ext uri="{FF2B5EF4-FFF2-40B4-BE49-F238E27FC236}">
+                <a16:creationId xmlns:a16="http://schemas.microsoft.com/office/drawing/2014/main" id="{90D1589A-8808-4AEA-BA73-991B4A54F3F5}"/>
+              </a:ext>
+            </a:extLst>
+          </p:cNvPr>
+          <p:cNvSpPr/>
+          <p:nvPr/>
+        </p:nvSpPr>
+        <p:spPr>
+          <a:xfrm>
+            <a:off x="685126" y="1497391"/>
+            <a:ext cx="6096000" cy="523220"/>
+          </a:xfrm>
+          <a:prstGeom prst="rect">
+            <a:avLst/>
+          </a:prstGeom>
+        </p:spPr>
+        <p:txBody>
+          <a:bodyPr>
+            <a:spAutoFit/>
+          </a:bodyPr>
+          <a:lstStyle/>
+          <a:p>
+            <a:r>
+              <a:rPr lang="sv-SE" sz="1400" i="1" dirty="0">
+                <a:solidFill>
+                  <a:srgbClr val="000000"/>
+                </a:solidFill>
+                <a:latin typeface="HaboroSlab-NorLig"/>
+              </a:rPr>
+              <a:t>Oavsett kön lär vi dem att vi alla är </a:t>
+            </a:r>
+            <a:r>
+              <a:rPr lang="sv-SE" sz="1400" b="1" i="1" dirty="0">
+                <a:solidFill>
+                  <a:srgbClr val="000000"/>
+                </a:solidFill>
+                <a:latin typeface="HaboroSlab-NorLig"/>
+              </a:rPr>
+              <a:t>jämlika</a:t>
+            </a:r>
+            <a:r>
+              <a:rPr lang="sv-SE" sz="1400" i="1" dirty="0">
+                <a:solidFill>
+                  <a:srgbClr val="000000"/>
+                </a:solidFill>
+                <a:latin typeface="HaboroSlab-NorLig"/>
+              </a:rPr>
+              <a:t>, alla har </a:t>
+            </a:r>
+            <a:r>
+              <a:rPr lang="sv-SE" sz="1400" b="1" i="1" dirty="0">
+                <a:solidFill>
+                  <a:srgbClr val="000000"/>
+                </a:solidFill>
+                <a:latin typeface="HaboroSlab-NorLig"/>
+              </a:rPr>
+              <a:t>samma rättigheter</a:t>
+            </a:r>
+            <a:r>
+              <a:rPr lang="sv-SE" sz="1400" i="1" dirty="0">
+                <a:solidFill>
+                  <a:srgbClr val="000000"/>
+                </a:solidFill>
+                <a:latin typeface="HaboroSlab-NorLig"/>
+              </a:rPr>
+              <a:t>. Alla </a:t>
+            </a:r>
+            <a:r>
+              <a:rPr lang="sv-SE" sz="1400" b="1" i="1" dirty="0">
+                <a:solidFill>
+                  <a:srgbClr val="000000"/>
+                </a:solidFill>
+                <a:latin typeface="HaboroSlab-NorLig"/>
+              </a:rPr>
+              <a:t>bestämmer över sin kropp</a:t>
+            </a:r>
+            <a:r>
+              <a:rPr lang="sv-SE" sz="1400" i="1" dirty="0">
+                <a:solidFill>
+                  <a:srgbClr val="000000"/>
+                </a:solidFill>
+                <a:latin typeface="HaboroSlab-NorLig"/>
+              </a:rPr>
+              <a:t>. Alla har sitt </a:t>
+            </a:r>
+            <a:r>
+              <a:rPr lang="sv-SE" sz="1400" b="1" i="1" dirty="0">
+                <a:solidFill>
+                  <a:srgbClr val="000000"/>
+                </a:solidFill>
+                <a:latin typeface="HaboroSlab-NorLig"/>
+              </a:rPr>
+              <a:t>okränkbara värde</a:t>
+            </a:r>
+            <a:r>
+              <a:rPr lang="sv-SE" sz="1400" i="1" dirty="0">
+                <a:solidFill>
+                  <a:srgbClr val="000000"/>
+                </a:solidFill>
+                <a:latin typeface="HaboroSlab-NorLig"/>
+              </a:rPr>
+              <a:t>.</a:t>
+            </a:r>
+            <a:endParaRPr lang="sv-SE" sz="1400" i="1" dirty="0"/>
+          </a:p>
+        </p:txBody>
+      </p:sp>
+      <p:sp>
+        <p:nvSpPr>
+          <p:cNvPr id="28" name="TextBox 27">
+            <a:extLst>
+              <a:ext uri="{FF2B5EF4-FFF2-40B4-BE49-F238E27FC236}">
+                <a16:creationId xmlns:a16="http://schemas.microsoft.com/office/drawing/2014/main" id="{670B3E71-912D-4ED4-90D0-AA2A76643E52}"/>
+              </a:ext>
+            </a:extLst>
+          </p:cNvPr>
+          <p:cNvSpPr txBox="1"/>
+          <p:nvPr/>
+        </p:nvSpPr>
+        <p:spPr>
+          <a:xfrm>
+            <a:off x="10014127" y="2675022"/>
+            <a:ext cx="1743554" cy="369332"/>
+          </a:xfrm>
+          <a:prstGeom prst="rect">
+            <a:avLst/>
+          </a:prstGeom>
+          <a:noFill/>
+        </p:spPr>
+        <p:txBody>
+          <a:bodyPr wrap="none" rtlCol="0">
+            <a:spAutoFit/>
+          </a:bodyPr>
+          <a:lstStyle/>
+          <a:p>
+            <a:r>
+              <a:rPr lang="en-US" dirty="0" err="1"/>
+              <a:t>Vad</a:t>
+            </a:r>
+            <a:r>
+              <a:rPr lang="en-US" dirty="0"/>
+              <a:t> </a:t>
+            </a:r>
+            <a:r>
+              <a:rPr lang="en-US" dirty="0" err="1"/>
+              <a:t>är</a:t>
+            </a:r>
+            <a:r>
+              <a:rPr lang="en-US" dirty="0"/>
+              <a:t> </a:t>
+            </a:r>
+            <a:r>
+              <a:rPr lang="en-US" dirty="0" err="1"/>
+              <a:t>inte</a:t>
+            </a:r>
+            <a:r>
+              <a:rPr lang="en-US" dirty="0"/>
+              <a:t> </a:t>
+            </a:r>
+            <a:r>
+              <a:rPr lang="en-US" dirty="0" err="1"/>
+              <a:t>okej</a:t>
+            </a:r>
+            <a:r>
+              <a:rPr lang="en-US" dirty="0"/>
+              <a:t>?</a:t>
+            </a:r>
+            <a:endParaRPr lang="sv-SE" dirty="0"/>
+          </a:p>
+        </p:txBody>
+      </p:sp>
+      <p:sp>
+        <p:nvSpPr>
+          <p:cNvPr id="29" name="TextBox 28">
+            <a:extLst>
+              <a:ext uri="{FF2B5EF4-FFF2-40B4-BE49-F238E27FC236}">
+                <a16:creationId xmlns:a16="http://schemas.microsoft.com/office/drawing/2014/main" id="{F3AB92F6-4808-4C1B-A129-1AAB0408122D}"/>
+              </a:ext>
+            </a:extLst>
+          </p:cNvPr>
+          <p:cNvSpPr txBox="1"/>
+          <p:nvPr/>
+        </p:nvSpPr>
+        <p:spPr>
+          <a:xfrm>
+            <a:off x="6781126" y="2675022"/>
+            <a:ext cx="2582758" cy="369332"/>
+          </a:xfrm>
+          <a:prstGeom prst="rect">
+            <a:avLst/>
+          </a:prstGeom>
+          <a:noFill/>
+        </p:spPr>
+        <p:txBody>
+          <a:bodyPr wrap="none" rtlCol="0">
+            <a:spAutoFit/>
+          </a:bodyPr>
+          <a:lstStyle/>
+          <a:p>
+            <a:r>
+              <a:rPr lang="en-US" dirty="0" err="1"/>
+              <a:t>Hur</a:t>
+            </a:r>
+            <a:r>
+              <a:rPr lang="en-US" dirty="0"/>
+              <a:t> </a:t>
+            </a:r>
+            <a:r>
+              <a:rPr lang="en-US" dirty="0" err="1"/>
+              <a:t>vill</a:t>
+            </a:r>
+            <a:r>
+              <a:rPr lang="en-US" dirty="0"/>
+              <a:t> du </a:t>
+            </a:r>
+            <a:r>
+              <a:rPr lang="en-US" dirty="0" err="1"/>
+              <a:t>bli</a:t>
+            </a:r>
+            <a:r>
+              <a:rPr lang="en-US" dirty="0"/>
+              <a:t> </a:t>
+            </a:r>
+            <a:r>
+              <a:rPr lang="en-US" dirty="0" err="1"/>
+              <a:t>behandlad</a:t>
+            </a:r>
+            <a:r>
+              <a:rPr lang="en-US" dirty="0"/>
+              <a:t>?</a:t>
+            </a:r>
+            <a:endParaRPr lang="sv-SE" dirty="0"/>
+          </a:p>
+        </p:txBody>
+      </p:sp>
+      <p:sp>
+        <p:nvSpPr>
+          <p:cNvPr id="31" name="TextBox 30">
+            <a:extLst>
+              <a:ext uri="{FF2B5EF4-FFF2-40B4-BE49-F238E27FC236}">
+                <a16:creationId xmlns:a16="http://schemas.microsoft.com/office/drawing/2014/main" id="{0C39470F-6236-459D-BEF3-9343C6A481E5}"/>
+              </a:ext>
+            </a:extLst>
+          </p:cNvPr>
+          <p:cNvSpPr txBox="1"/>
+          <p:nvPr/>
+        </p:nvSpPr>
+        <p:spPr>
+          <a:xfrm>
+            <a:off x="10094918" y="3060032"/>
+            <a:ext cx="1581972" cy="369332"/>
+          </a:xfrm>
+          <a:prstGeom prst="rect">
+            <a:avLst/>
+          </a:prstGeom>
+          <a:noFill/>
+        </p:spPr>
+        <p:txBody>
+          <a:bodyPr wrap="none" rtlCol="0">
+            <a:spAutoFit/>
+          </a:bodyPr>
+          <a:lstStyle/>
+          <a:p>
+            <a:r>
+              <a:rPr lang="en-US" dirty="0" err="1"/>
+              <a:t>Våga</a:t>
+            </a:r>
+            <a:r>
+              <a:rPr lang="en-US" dirty="0"/>
+              <a:t> </a:t>
+            </a:r>
+            <a:r>
+              <a:rPr lang="en-US" dirty="0" err="1"/>
+              <a:t>säga</a:t>
+            </a:r>
+            <a:r>
+              <a:rPr lang="en-US" dirty="0"/>
+              <a:t> </a:t>
+            </a:r>
+            <a:r>
+              <a:rPr lang="en-US" dirty="0" err="1"/>
+              <a:t>ifrån</a:t>
+            </a:r>
+            <a:endParaRPr lang="en-US" dirty="0"/>
+          </a:p>
+        </p:txBody>
+      </p:sp>
+      <p:sp>
+        <p:nvSpPr>
+          <p:cNvPr id="32" name="TextBox 31">
+            <a:extLst>
+              <a:ext uri="{FF2B5EF4-FFF2-40B4-BE49-F238E27FC236}">
+                <a16:creationId xmlns:a16="http://schemas.microsoft.com/office/drawing/2014/main" id="{845BC4B1-2AA3-4F1E-B199-E8E9BDB5DBD8}"/>
+              </a:ext>
+            </a:extLst>
+          </p:cNvPr>
+          <p:cNvSpPr txBox="1"/>
+          <p:nvPr/>
+        </p:nvSpPr>
+        <p:spPr>
+          <a:xfrm>
+            <a:off x="6781126" y="3026249"/>
+            <a:ext cx="2347117" cy="369332"/>
+          </a:xfrm>
+          <a:prstGeom prst="rect">
+            <a:avLst/>
+          </a:prstGeom>
+          <a:noFill/>
+        </p:spPr>
+        <p:txBody>
+          <a:bodyPr wrap="none" rtlCol="0">
+            <a:spAutoFit/>
+          </a:bodyPr>
+          <a:lstStyle/>
+          <a:p>
+            <a:r>
+              <a:rPr lang="en-US" dirty="0" err="1"/>
+              <a:t>Hur</a:t>
+            </a:r>
+            <a:r>
+              <a:rPr lang="en-US" dirty="0"/>
+              <a:t> </a:t>
+            </a:r>
+            <a:r>
+              <a:rPr lang="en-US" dirty="0" err="1"/>
+              <a:t>blir</a:t>
+            </a:r>
+            <a:r>
+              <a:rPr lang="en-US" dirty="0"/>
+              <a:t> du </a:t>
+            </a:r>
+            <a:r>
+              <a:rPr lang="en-US" dirty="0" err="1"/>
+              <a:t>behandlad</a:t>
+            </a:r>
+            <a:r>
+              <a:rPr lang="en-US" dirty="0"/>
+              <a:t>?</a:t>
+            </a:r>
+            <a:endParaRPr lang="sv-SE" dirty="0"/>
+          </a:p>
+        </p:txBody>
+      </p:sp>
+      <p:sp>
+        <p:nvSpPr>
+          <p:cNvPr id="33" name="TextBox 32">
+            <a:extLst>
+              <a:ext uri="{FF2B5EF4-FFF2-40B4-BE49-F238E27FC236}">
+                <a16:creationId xmlns:a16="http://schemas.microsoft.com/office/drawing/2014/main" id="{34A1B37C-E86B-436E-B6E4-07273378F671}"/>
+              </a:ext>
+            </a:extLst>
+          </p:cNvPr>
+          <p:cNvSpPr txBox="1"/>
+          <p:nvPr/>
+        </p:nvSpPr>
+        <p:spPr>
+          <a:xfrm>
+            <a:off x="6781126" y="3386086"/>
+            <a:ext cx="2537939" cy="369332"/>
+          </a:xfrm>
+          <a:prstGeom prst="rect">
+            <a:avLst/>
+          </a:prstGeom>
+          <a:noFill/>
+        </p:spPr>
+        <p:txBody>
+          <a:bodyPr wrap="none" rtlCol="0">
+            <a:spAutoFit/>
+          </a:bodyPr>
+          <a:lstStyle/>
+          <a:p>
+            <a:r>
+              <a:rPr lang="en-US" dirty="0" err="1"/>
+              <a:t>Hur</a:t>
+            </a:r>
+            <a:r>
+              <a:rPr lang="en-US" dirty="0"/>
+              <a:t> </a:t>
+            </a:r>
+            <a:r>
+              <a:rPr lang="en-US" dirty="0" err="1"/>
+              <a:t>behandlar</a:t>
+            </a:r>
+            <a:r>
+              <a:rPr lang="en-US" dirty="0"/>
+              <a:t> du </a:t>
+            </a:r>
+            <a:r>
+              <a:rPr lang="en-US" dirty="0" err="1"/>
+              <a:t>andra</a:t>
+            </a:r>
+            <a:r>
+              <a:rPr lang="en-US" dirty="0"/>
+              <a:t>?</a:t>
+            </a:r>
+            <a:endParaRPr lang="sv-SE" dirty="0"/>
+          </a:p>
+        </p:txBody>
+      </p:sp>
+      <p:sp>
+        <p:nvSpPr>
+          <p:cNvPr id="34" name="TextBox 33">
+            <a:extLst>
+              <a:ext uri="{FF2B5EF4-FFF2-40B4-BE49-F238E27FC236}">
+                <a16:creationId xmlns:a16="http://schemas.microsoft.com/office/drawing/2014/main" id="{57C8EDA3-F57C-4C05-9087-C47B0B33AA3E}"/>
+              </a:ext>
+            </a:extLst>
+          </p:cNvPr>
+          <p:cNvSpPr txBox="1"/>
+          <p:nvPr/>
+        </p:nvSpPr>
+        <p:spPr>
+          <a:xfrm>
+            <a:off x="6781126" y="3737313"/>
+            <a:ext cx="3313792" cy="369332"/>
+          </a:xfrm>
+          <a:prstGeom prst="rect">
+            <a:avLst/>
+          </a:prstGeom>
+          <a:noFill/>
+        </p:spPr>
+        <p:txBody>
+          <a:bodyPr wrap="none" rtlCol="0">
+            <a:spAutoFit/>
+          </a:bodyPr>
+          <a:lstStyle/>
+          <a:p>
+            <a:r>
+              <a:rPr lang="en-US" dirty="0" err="1"/>
+              <a:t>Hur</a:t>
+            </a:r>
+            <a:r>
+              <a:rPr lang="en-US" dirty="0"/>
+              <a:t> </a:t>
+            </a:r>
+            <a:r>
+              <a:rPr lang="en-US" dirty="0" err="1"/>
+              <a:t>ser</a:t>
+            </a:r>
+            <a:r>
+              <a:rPr lang="en-US" dirty="0"/>
+              <a:t> du </a:t>
+            </a:r>
+            <a:r>
+              <a:rPr lang="en-US" dirty="0" err="1"/>
+              <a:t>andra</a:t>
+            </a:r>
+            <a:r>
+              <a:rPr lang="en-US" dirty="0"/>
+              <a:t> </a:t>
+            </a:r>
+            <a:r>
+              <a:rPr lang="en-US" dirty="0" err="1"/>
+              <a:t>bli</a:t>
+            </a:r>
+            <a:r>
+              <a:rPr lang="en-US" dirty="0"/>
+              <a:t> </a:t>
+            </a:r>
+            <a:r>
+              <a:rPr lang="en-US" dirty="0" err="1"/>
+              <a:t>behandlade</a:t>
+            </a:r>
+            <a:r>
+              <a:rPr lang="en-US" dirty="0"/>
+              <a:t>?</a:t>
+            </a:r>
+            <a:endParaRPr lang="sv-SE" dirty="0"/>
+          </a:p>
+        </p:txBody>
+      </p:sp>
+      <p:sp>
+        <p:nvSpPr>
+          <p:cNvPr id="35" name="TextBox 34">
+            <a:extLst>
+              <a:ext uri="{FF2B5EF4-FFF2-40B4-BE49-F238E27FC236}">
+                <a16:creationId xmlns:a16="http://schemas.microsoft.com/office/drawing/2014/main" id="{AFEABE7F-3249-4BEF-BF2E-21FC19E115B5}"/>
+              </a:ext>
+            </a:extLst>
+          </p:cNvPr>
+          <p:cNvSpPr txBox="1"/>
+          <p:nvPr/>
+        </p:nvSpPr>
+        <p:spPr>
+          <a:xfrm>
+            <a:off x="8190460" y="4305179"/>
+            <a:ext cx="2491131" cy="369332"/>
+          </a:xfrm>
+          <a:prstGeom prst="rect">
+            <a:avLst/>
+          </a:prstGeom>
+          <a:noFill/>
+        </p:spPr>
+        <p:txBody>
+          <a:bodyPr wrap="none" rtlCol="0">
+            <a:spAutoFit/>
+          </a:bodyPr>
+          <a:lstStyle/>
+          <a:p>
+            <a:r>
+              <a:rPr lang="en-US" dirty="0" err="1"/>
+              <a:t>Väcka</a:t>
+            </a:r>
+            <a:r>
+              <a:rPr lang="en-US" dirty="0"/>
+              <a:t> </a:t>
+            </a:r>
+            <a:r>
+              <a:rPr lang="en-US" dirty="0" err="1"/>
+              <a:t>diskussion</a:t>
+            </a:r>
+            <a:r>
+              <a:rPr lang="en-US" dirty="0"/>
+              <a:t> </a:t>
+            </a:r>
+            <a:r>
+              <a:rPr lang="en-US" dirty="0" err="1"/>
+              <a:t>i</a:t>
+            </a:r>
+            <a:r>
+              <a:rPr lang="en-US" dirty="0"/>
+              <a:t> </a:t>
+            </a:r>
+            <a:r>
+              <a:rPr lang="en-US" dirty="0" err="1"/>
+              <a:t>skolan</a:t>
+            </a:r>
+            <a:endParaRPr lang="sv-SE" dirty="0"/>
+          </a:p>
+        </p:txBody>
+      </p:sp>
+      <p:sp>
+        <p:nvSpPr>
+          <p:cNvPr id="36" name="Rectangle 35">
+            <a:extLst>
+              <a:ext uri="{FF2B5EF4-FFF2-40B4-BE49-F238E27FC236}">
+                <a16:creationId xmlns:a16="http://schemas.microsoft.com/office/drawing/2014/main" id="{7AC3DEC0-E42F-41F5-B2A3-5433CF32C1BA}"/>
+              </a:ext>
+            </a:extLst>
+          </p:cNvPr>
+          <p:cNvSpPr/>
+          <p:nvPr/>
+        </p:nvSpPr>
+        <p:spPr>
+          <a:xfrm>
+            <a:off x="685126" y="405068"/>
+            <a:ext cx="6096000" cy="954107"/>
+          </a:xfrm>
+          <a:prstGeom prst="rect">
+            <a:avLst/>
+          </a:prstGeom>
+        </p:spPr>
+        <p:txBody>
+          <a:bodyPr>
+            <a:spAutoFit/>
+          </a:bodyPr>
+          <a:lstStyle/>
+          <a:p>
+            <a:r>
+              <a:rPr lang="sv-SE" sz="1400" i="1" dirty="0">
+                <a:solidFill>
+                  <a:srgbClr val="29151A"/>
+                </a:solidFill>
+                <a:latin typeface="Arial" panose="020B0604020202020204" pitchFamily="34" charset="0"/>
+              </a:rPr>
+              <a:t>Arbetet med det förebyggande och främjande arbetet måste ske i klassrummen kontinuerligt för att motverka diskriminering och främja lika rättigheter och möjligheter till att alla behandlas lika i samhället. Sedan januari i år finns det </a:t>
+            </a:r>
+            <a:r>
+              <a:rPr lang="sv-SE" sz="1400" b="1" i="1" dirty="0">
+                <a:solidFill>
+                  <a:srgbClr val="0DA4B1"/>
+                </a:solidFill>
+                <a:latin typeface="Arial" panose="020B0604020202020204" pitchFamily="34" charset="0"/>
+                <a:hlinkClick r:id="rId4"/>
+              </a:rPr>
+              <a:t>en ny lag</a:t>
+            </a:r>
+            <a:r>
+              <a:rPr lang="sv-SE" sz="1400" i="1" dirty="0">
+                <a:solidFill>
+                  <a:srgbClr val="29151A"/>
+                </a:solidFill>
+                <a:latin typeface="Arial" panose="020B0604020202020204" pitchFamily="34" charset="0"/>
+              </a:rPr>
+              <a:t> som särskilt betonar detta arbetet.</a:t>
+            </a:r>
+            <a:endParaRPr lang="sv-SE" sz="1400" i="1" dirty="0"/>
+          </a:p>
+        </p:txBody>
+      </p:sp>
+      <p:sp>
+        <p:nvSpPr>
+          <p:cNvPr id="37" name="TextBox 36">
+            <a:extLst>
+              <a:ext uri="{FF2B5EF4-FFF2-40B4-BE49-F238E27FC236}">
+                <a16:creationId xmlns:a16="http://schemas.microsoft.com/office/drawing/2014/main" id="{3C7298F4-3C15-43BA-B65A-975A101B6414}"/>
+              </a:ext>
+            </a:extLst>
+          </p:cNvPr>
+          <p:cNvSpPr txBox="1"/>
+          <p:nvPr/>
+        </p:nvSpPr>
+        <p:spPr>
+          <a:xfrm>
+            <a:off x="8050095" y="2037388"/>
+            <a:ext cx="2812886" cy="369332"/>
+          </a:xfrm>
+          <a:prstGeom prst="rect">
+            <a:avLst/>
+          </a:prstGeom>
+          <a:noFill/>
+        </p:spPr>
+        <p:txBody>
+          <a:bodyPr wrap="none" rtlCol="0">
+            <a:spAutoFit/>
+          </a:bodyPr>
+          <a:lstStyle/>
+          <a:p>
+            <a:r>
+              <a:rPr lang="en-US" dirty="0" err="1"/>
+              <a:t>Förståelse</a:t>
+            </a:r>
+            <a:r>
+              <a:rPr lang="en-US" dirty="0"/>
+              <a:t> </a:t>
+            </a:r>
+            <a:r>
+              <a:rPr lang="en-US" dirty="0" err="1"/>
+              <a:t>kring</a:t>
+            </a:r>
+            <a:r>
+              <a:rPr lang="en-US" dirty="0"/>
+              <a:t> </a:t>
+            </a:r>
+            <a:r>
+              <a:rPr lang="en-US" dirty="0" err="1"/>
+              <a:t>kränkningar</a:t>
+            </a:r>
+            <a:endParaRPr lang="sv-SE" dirty="0"/>
+          </a:p>
+        </p:txBody>
+      </p:sp>
+      <p:pic>
+        <p:nvPicPr>
+          <p:cNvPr id="38" name="Picture 37">
+            <a:extLst>
+              <a:ext uri="{FF2B5EF4-FFF2-40B4-BE49-F238E27FC236}">
+                <a16:creationId xmlns:a16="http://schemas.microsoft.com/office/drawing/2014/main" id="{A30F9B02-0497-4B7B-8334-08CF27551190}"/>
+              </a:ext>
+            </a:extLst>
+          </p:cNvPr>
+          <p:cNvPicPr>
+            <a:picLocks noChangeAspect="1"/>
+          </p:cNvPicPr>
+          <p:nvPr/>
+        </p:nvPicPr>
+        <p:blipFill>
+          <a:blip r:embed="rId5"/>
+          <a:stretch>
+            <a:fillRect/>
+          </a:stretch>
+        </p:blipFill>
+        <p:spPr>
+          <a:xfrm>
+            <a:off x="642998" y="2290362"/>
+            <a:ext cx="2185118" cy="4188898"/>
+          </a:xfrm>
+          <a:prstGeom prst="rect">
+            <a:avLst/>
+          </a:prstGeom>
+        </p:spPr>
+      </p:pic>
+    </p:spTree>
+    <p:extLst>
+      <p:ext uri="{BB962C8B-B14F-4D97-AF65-F5344CB8AC3E}">
+        <p14:creationId xmlns:p14="http://schemas.microsoft.com/office/powerpoint/2010/main" val="2429294544"/>
       </p:ext>
     </p:extLst>
   </p:cSld>
